--- a/周记/Intel SparseLib.pptx
+++ b/周记/Intel SparseLib.pptx
@@ -539,7 +539,7 @@
               </a14:hiddenFill>
             </a:ext>
             <a:ext uri="{FAA26D3D-D897-4be2-8F04-BA451C77F1D7}">
-              <ma14:placeholderFlag xmlns="" xmlns:ma14="http://schemas.microsoft.com/office/mac/drawingml/2011/main" val="1"/>
+              <ma14:placeholderFlag xmlns:ma14="http://schemas.microsoft.com/office/mac/drawingml/2011/main" xmlns="" val="1"/>
             </a:ext>
           </a:extLst>
         </p:spPr>
@@ -3970,10 +3970,10 @@
           <a:p>
             <a:pPr algn="ctr"/>
             <a:r>
-              <a:rPr lang="en-US" altLang="zh-CN" dirty="0">
+              <a:rPr lang="en-US" altLang="zh-CN">
                 <a:latin typeface="+mn-ea"/>
               </a:rPr>
-              <a:t>2024.04.13</a:t>
+              <a:t>2024.04.20</a:t>
             </a:r>
             <a:endParaRPr lang="zh-CN" altLang="en-US" dirty="0">
               <a:latin typeface="+mn-ea"/>
@@ -5524,8 +5524,8 @@
           </a:p>
         </p:txBody>
       </p:sp>
-      <mc:AlternateContent xmlns:mc="http://schemas.openxmlformats.org/markup-compatibility/2006">
-        <mc:Choice xmlns:a14="http://schemas.microsoft.com/office/drawing/2010/main" Requires="a14">
+      <mc:AlternateContent xmlns:mc="http://schemas.openxmlformats.org/markup-compatibility/2006" xmlns:a14="http://schemas.microsoft.com/office/drawing/2010/main">
+        <mc:Choice Requires="a14">
           <p:sp>
             <p:nvSpPr>
               <p:cNvPr id="9" name="文本框 8">
@@ -5735,7 +5735,7 @@
             </p:txBody>
           </p:sp>
         </mc:Choice>
-        <mc:Fallback>
+        <mc:Fallback xmlns="">
           <p:sp>
             <p:nvSpPr>
               <p:cNvPr id="9" name="文本框 8">
